--- a/k8s.pptx
+++ b/k8s.pptx
@@ -118,6 +118,11 @@
       </a:defRPr>
     </a:lvl9pPr>
   </p:defaultTextStyle>
+  <p:extLst>
+    <p:ext uri="{EFAFB233-063F-42B5-8137-9DF3F51BA10A}">
+      <p15:sldGuideLst xmlns:p15="http://schemas.microsoft.com/office/powerpoint/2012/main"/>
+    </p:ext>
+  </p:extLst>
 </p:presentation>
 </file>
 
@@ -6644,65 +6649,74 @@
           <a:lstStyle/>
           <a:p>
             <a:r>
-              <a:rPr lang="ru-RU"/>
+              <a:rPr lang="ru-RU" dirty="0"/>
               <a:t>Что такое </a:t>
             </a:r>
             <a:r>
-              <a:rPr lang="en-US"/>
+              <a:rPr lang="en-US" dirty="0"/>
               <a:t>k8s</a:t>
             </a:r>
           </a:p>
           <a:p>
             <a:r>
-              <a:rPr lang="en-US"/>
-              <a:t>Pod, ReplicaSet ,Deployment</a:t>
-            </a:r>
-          </a:p>
-          <a:p>
-            <a:r>
-              <a:rPr lang="en-US"/>
+              <a:rPr lang="en-US" dirty="0"/>
+              <a:t>Pod, </a:t>
+            </a:r>
+            <a:r>
+              <a:rPr lang="en-US" dirty="0" err="1"/>
+              <a:t>ReplicaSet</a:t>
+            </a:r>
+            <a:r>
+              <a:rPr lang="en-US" dirty="0"/>
+              <a:t> ,Deployment</a:t>
+            </a:r>
+          </a:p>
+          <a:p>
+            <a:r>
+              <a:rPr lang="en-US" dirty="0"/>
               <a:t>Service</a:t>
             </a:r>
           </a:p>
           <a:p>
             <a:r>
-              <a:rPr lang="en-US"/>
+              <a:rPr lang="en-US" dirty="0"/>
               <a:t>Ingress</a:t>
             </a:r>
           </a:p>
           <a:p>
             <a:r>
-              <a:rPr lang="en-US"/>
+              <a:rPr lang="en-US" dirty="0" err="1"/>
               <a:t>Configmap</a:t>
             </a:r>
-          </a:p>
-          <a:p>
-            <a:r>
-              <a:rPr lang="en-US"/>
+            <a:endParaRPr lang="en-US" dirty="0"/>
+          </a:p>
+          <a:p>
+            <a:r>
+              <a:rPr lang="en-US" dirty="0"/>
               <a:t>Secret</a:t>
             </a:r>
           </a:p>
           <a:p>
             <a:r>
-              <a:rPr lang="en-US"/>
+              <a:rPr lang="en-US" dirty="0"/>
               <a:t>Job</a:t>
             </a:r>
           </a:p>
           <a:p>
             <a:r>
-              <a:rPr lang="en-US"/>
+              <a:rPr lang="en-US" dirty="0"/>
               <a:t>Volume</a:t>
             </a:r>
           </a:p>
           <a:p>
             <a:r>
-              <a:rPr lang="en-US"/>
+              <a:rPr lang="en-US" dirty="0"/>
               <a:t>Upgrade strategies </a:t>
             </a:r>
           </a:p>
           <a:p>
             <a:r>
-              <a:rPr lang="en-US"/>
+              <a:rPr lang="en-US" dirty="0"/>
               <a:t>Helm</a:t>
             </a:r>
             <a:endParaRPr lang="ru-RU" dirty="0"/>
@@ -7686,8 +7700,8 @@
           </a:p>
           <a:p>
             <a:r>
-              <a:rPr lang="en" dirty="0" err="1"/>
-              <a:t>ReplicaSet</a:t>
+              <a:rPr lang="en-US" dirty="0"/>
+              <a:t>Deployment</a:t>
             </a:r>
             <a:r>
               <a:rPr lang="en" dirty="0"/>
@@ -7701,9 +7715,6 @@
               <a:rPr lang="en" dirty="0" err="1"/>
               <a:t>replicaSet</a:t>
             </a:r>
-            <a:endParaRPr lang="ru-RU" dirty="0"/>
-          </a:p>
-          <a:p>
             <a:endParaRPr lang="ru-RU" dirty="0"/>
           </a:p>
         </p:txBody>
